--- a/day 3/SAC_Training Day 3.pptx
+++ b/day 3/SAC_Training Day 3.pptx
@@ -6,18 +6,20 @@
     <p:sldMasterId id="2147483660" r:id="rId2"/>
   </p:sldMasterIdLst>
   <p:notesMasterIdLst>
-    <p:notesMasterId r:id="rId12"/>
+    <p:notesMasterId r:id="rId14"/>
   </p:notesMasterIdLst>
   <p:sldIdLst>
     <p:sldId id="256" r:id="rId3"/>
     <p:sldId id="463" r:id="rId4"/>
-    <p:sldId id="414" r:id="rId5"/>
-    <p:sldId id="424" r:id="rId6"/>
-    <p:sldId id="476" r:id="rId7"/>
-    <p:sldId id="425" r:id="rId8"/>
-    <p:sldId id="462" r:id="rId9"/>
-    <p:sldId id="399" r:id="rId10"/>
-    <p:sldId id="409" r:id="rId11"/>
+    <p:sldId id="477" r:id="rId5"/>
+    <p:sldId id="478" r:id="rId6"/>
+    <p:sldId id="414" r:id="rId7"/>
+    <p:sldId id="424" r:id="rId8"/>
+    <p:sldId id="476" r:id="rId9"/>
+    <p:sldId id="425" r:id="rId10"/>
+    <p:sldId id="462" r:id="rId11"/>
+    <p:sldId id="399" r:id="rId12"/>
+    <p:sldId id="409" r:id="rId13"/>
   </p:sldIdLst>
   <p:sldSz cx="12192000" cy="6858000"/>
   <p:notesSz cx="6858000" cy="9144000"/>
@@ -206,7 +208,7 @@
           <a:p>
             <a:fld id="{4AF2A06D-4991-4208-8C88-4E8BAD69A8B8}" type="datetimeFigureOut">
               <a:rPr lang="en-US" smtClean="0"/>
-              <a:t>1/9/2022</a:t>
+              <a:t>3/16/2022</a:t>
             </a:fld>
             <a:endParaRPr lang="en-US"/>
           </a:p>
@@ -669,7 +671,7 @@
                 <a:tabLst/>
                 <a:defRPr/>
               </a:pPr>
-              <a:t>9</a:t>
+              <a:t>11</a:t>
             </a:fld>
             <a:endParaRPr kumimoji="0" lang="en-US" sz="1200" b="0" i="0" u="none" strike="noStrike" kern="1200" cap="none" spc="0" normalizeH="0" baseline="0" noProof="0">
               <a:ln>
@@ -830,7 +832,7 @@
           <a:p>
             <a:fld id="{E26E0DA5-0C76-4851-AA82-0B75261F9EB4}" type="datetimeFigureOut">
               <a:rPr lang="en-US" smtClean="0"/>
-              <a:t>1/9/2022</a:t>
+              <a:t>3/16/2022</a:t>
             </a:fld>
             <a:endParaRPr lang="en-US"/>
           </a:p>
@@ -998,7 +1000,7 @@
           <a:p>
             <a:fld id="{E26E0DA5-0C76-4851-AA82-0B75261F9EB4}" type="datetimeFigureOut">
               <a:rPr lang="en-US" smtClean="0"/>
-              <a:t>1/9/2022</a:t>
+              <a:t>3/16/2022</a:t>
             </a:fld>
             <a:endParaRPr lang="en-US"/>
           </a:p>
@@ -1176,7 +1178,7 @@
           <a:p>
             <a:fld id="{E26E0DA5-0C76-4851-AA82-0B75261F9EB4}" type="datetimeFigureOut">
               <a:rPr lang="en-US" smtClean="0"/>
-              <a:t>1/9/2022</a:t>
+              <a:t>3/16/2022</a:t>
             </a:fld>
             <a:endParaRPr lang="en-US"/>
           </a:p>
@@ -1503,7 +1505,7 @@
             <a:fld id="{9578D6DB-6798-42D2-B9AD-FC6F1C72FC30}" type="datetimeFigureOut">
               <a:rPr lang="en-US" smtClean="0"/>
               <a:pPr/>
-              <a:t>1/9/2022</a:t>
+              <a:t>3/16/2022</a:t>
             </a:fld>
             <a:endParaRPr lang="en-US"/>
           </a:p>
@@ -1745,7 +1747,7 @@
             <a:fld id="{425404F2-BE9A-4460-8815-8F645183555F}" type="datetimeFigureOut">
               <a:rPr lang="en-US" smtClean="0"/>
               <a:pPr/>
-              <a:t>1/9/2022</a:t>
+              <a:t>3/16/2022</a:t>
             </a:fld>
             <a:endParaRPr lang="en-US"/>
           </a:p>
@@ -1873,7 +1875,7 @@
             <a:fld id="{425404F2-BE9A-4460-8815-8F645183555F}" type="datetimeFigureOut">
               <a:rPr lang="en-US" smtClean="0"/>
               <a:pPr/>
-              <a:t>1/9/2022</a:t>
+              <a:t>3/16/2022</a:t>
             </a:fld>
             <a:endParaRPr lang="en-US"/>
           </a:p>
@@ -2123,7 +2125,7 @@
             <a:fld id="{425404F2-BE9A-4460-8815-8F645183555F}" type="datetimeFigureOut">
               <a:rPr lang="en-US" smtClean="0"/>
               <a:pPr/>
-              <a:t>1/9/2022</a:t>
+              <a:t>3/16/2022</a:t>
             </a:fld>
             <a:endParaRPr lang="en-US"/>
           </a:p>
@@ -2293,7 +2295,7 @@
             <a:fld id="{425404F2-BE9A-4460-8815-8F645183555F}" type="datetimeFigureOut">
               <a:rPr lang="en-US" smtClean="0"/>
               <a:pPr/>
-              <a:t>1/9/2022</a:t>
+              <a:t>3/16/2022</a:t>
             </a:fld>
             <a:endParaRPr lang="en-US"/>
           </a:p>
@@ -2580,7 +2582,7 @@
             <a:fld id="{425404F2-BE9A-4460-8815-8F645183555F}" type="datetimeFigureOut">
               <a:rPr lang="en-US" smtClean="0"/>
               <a:pPr/>
-              <a:t>1/9/2022</a:t>
+              <a:t>3/16/2022</a:t>
             </a:fld>
             <a:endParaRPr lang="en-US"/>
           </a:p>
@@ -3001,7 +3003,7 @@
             <a:fld id="{425404F2-BE9A-4460-8815-8F645183555F}" type="datetimeFigureOut">
               <a:rPr lang="en-US" smtClean="0"/>
               <a:pPr/>
-              <a:t>1/9/2022</a:t>
+              <a:t>3/16/2022</a:t>
             </a:fld>
             <a:endParaRPr lang="en-US"/>
           </a:p>
@@ -3126,7 +3128,7 @@
             <a:fld id="{425404F2-BE9A-4460-8815-8F645183555F}" type="datetimeFigureOut">
               <a:rPr lang="en-US" smtClean="0"/>
               <a:pPr/>
-              <a:t>1/9/2022</a:t>
+              <a:t>3/16/2022</a:t>
             </a:fld>
             <a:endParaRPr lang="en-US"/>
           </a:p>
@@ -3352,7 +3354,7 @@
           <a:p>
             <a:fld id="{E26E0DA5-0C76-4851-AA82-0B75261F9EB4}" type="datetimeFigureOut">
               <a:rPr lang="en-US" smtClean="0"/>
-              <a:t>1/9/2022</a:t>
+              <a:t>3/16/2022</a:t>
             </a:fld>
             <a:endParaRPr lang="en-US"/>
           </a:p>
@@ -3476,7 +3478,7 @@
             <a:fld id="{425404F2-BE9A-4460-8815-8F645183555F}" type="datetimeFigureOut">
               <a:rPr lang="en-US" smtClean="0"/>
               <a:pPr/>
-              <a:t>1/9/2022</a:t>
+              <a:t>3/16/2022</a:t>
             </a:fld>
             <a:endParaRPr lang="en-US"/>
           </a:p>
@@ -4023,7 +4025,7 @@
             <a:fld id="{425404F2-BE9A-4460-8815-8F645183555F}" type="datetimeFigureOut">
               <a:rPr lang="en-US" smtClean="0"/>
               <a:pPr/>
-              <a:t>1/9/2022</a:t>
+              <a:t>3/16/2022</a:t>
             </a:fld>
             <a:endParaRPr lang="en-US"/>
           </a:p>
@@ -4171,7 +4173,7 @@
             <a:fld id="{425404F2-BE9A-4460-8815-8F645183555F}" type="datetimeFigureOut">
               <a:rPr lang="en-US" smtClean="0"/>
               <a:pPr/>
-              <a:t>1/9/2022</a:t>
+              <a:t>3/16/2022</a:t>
             </a:fld>
             <a:endParaRPr lang="en-US"/>
           </a:p>
@@ -4404,7 +4406,7 @@
             <a:fld id="{425404F2-BE9A-4460-8815-8F645183555F}" type="datetimeFigureOut">
               <a:rPr lang="en-US" smtClean="0"/>
               <a:pPr/>
-              <a:t>1/9/2022</a:t>
+              <a:t>3/16/2022</a:t>
             </a:fld>
             <a:endParaRPr lang="en-US"/>
           </a:p>
@@ -4642,7 +4644,7 @@
             <a:fld id="{425404F2-BE9A-4460-8815-8F645183555F}" type="datetimeFigureOut">
               <a:rPr lang="en-US" smtClean="0"/>
               <a:pPr/>
-              <a:t>1/9/2022</a:t>
+              <a:t>3/16/2022</a:t>
             </a:fld>
             <a:endParaRPr lang="en-US"/>
           </a:p>
@@ -4824,7 +4826,7 @@
             <a:fld id="{425404F2-BE9A-4460-8815-8F645183555F}" type="datetimeFigureOut">
               <a:rPr lang="en-US" smtClean="0"/>
               <a:pPr/>
-              <a:t>1/9/2022</a:t>
+              <a:t>3/16/2022</a:t>
             </a:fld>
             <a:endParaRPr lang="en-US"/>
           </a:p>
@@ -5101,7 +5103,7 @@
             <a:fld id="{425404F2-BE9A-4460-8815-8F645183555F}" type="datetimeFigureOut">
               <a:rPr lang="en-US" smtClean="0"/>
               <a:pPr/>
-              <a:t>1/9/2022</a:t>
+              <a:t>3/16/2022</a:t>
             </a:fld>
             <a:endParaRPr lang="en-US"/>
           </a:p>
@@ -5355,7 +5357,7 @@
             <a:fld id="{425404F2-BE9A-4460-8815-8F645183555F}" type="datetimeFigureOut">
               <a:rPr lang="en-US" smtClean="0"/>
               <a:pPr/>
-              <a:t>1/9/2022</a:t>
+              <a:t>3/16/2022</a:t>
             </a:fld>
             <a:endParaRPr lang="en-US"/>
           </a:p>
@@ -5525,7 +5527,7 @@
             <a:fld id="{425404F2-BE9A-4460-8815-8F645183555F}" type="datetimeFigureOut">
               <a:rPr lang="en-US" smtClean="0"/>
               <a:pPr/>
-              <a:t>1/9/2022</a:t>
+              <a:t>3/16/2022</a:t>
             </a:fld>
             <a:endParaRPr lang="en-US"/>
           </a:p>
@@ -5705,7 +5707,7 @@
             <a:fld id="{425404F2-BE9A-4460-8815-8F645183555F}" type="datetimeFigureOut">
               <a:rPr lang="en-US" smtClean="0"/>
               <a:pPr/>
-              <a:t>1/9/2022</a:t>
+              <a:t>3/16/2022</a:t>
             </a:fld>
             <a:endParaRPr lang="en-US"/>
           </a:p>
@@ -5951,7 +5953,7 @@
           <a:p>
             <a:fld id="{E26E0DA5-0C76-4851-AA82-0B75261F9EB4}" type="datetimeFigureOut">
               <a:rPr lang="en-US" smtClean="0"/>
-              <a:t>1/9/2022</a:t>
+              <a:t>3/16/2022</a:t>
             </a:fld>
             <a:endParaRPr lang="en-US"/>
           </a:p>
@@ -6180,7 +6182,7 @@
           <a:p>
             <a:fld id="{E26E0DA5-0C76-4851-AA82-0B75261F9EB4}" type="datetimeFigureOut">
               <a:rPr lang="en-US" smtClean="0"/>
-              <a:t>1/9/2022</a:t>
+              <a:t>3/16/2022</a:t>
             </a:fld>
             <a:endParaRPr lang="en-US"/>
           </a:p>
@@ -6544,7 +6546,7 @@
           <a:p>
             <a:fld id="{E26E0DA5-0C76-4851-AA82-0B75261F9EB4}" type="datetimeFigureOut">
               <a:rPr lang="en-US" smtClean="0"/>
-              <a:t>1/9/2022</a:t>
+              <a:t>3/16/2022</a:t>
             </a:fld>
             <a:endParaRPr lang="en-US"/>
           </a:p>
@@ -6661,7 +6663,7 @@
           <a:p>
             <a:fld id="{E26E0DA5-0C76-4851-AA82-0B75261F9EB4}" type="datetimeFigureOut">
               <a:rPr lang="en-US" smtClean="0"/>
-              <a:t>1/9/2022</a:t>
+              <a:t>3/16/2022</a:t>
             </a:fld>
             <a:endParaRPr lang="en-US"/>
           </a:p>
@@ -6756,7 +6758,7 @@
           <a:p>
             <a:fld id="{E26E0DA5-0C76-4851-AA82-0B75261F9EB4}" type="datetimeFigureOut">
               <a:rPr lang="en-US" smtClean="0"/>
-              <a:t>1/9/2022</a:t>
+              <a:t>3/16/2022</a:t>
             </a:fld>
             <a:endParaRPr lang="en-US"/>
           </a:p>
@@ -7031,7 +7033,7 @@
           <a:p>
             <a:fld id="{E26E0DA5-0C76-4851-AA82-0B75261F9EB4}" type="datetimeFigureOut">
               <a:rPr lang="en-US" smtClean="0"/>
-              <a:t>1/9/2022</a:t>
+              <a:t>3/16/2022</a:t>
             </a:fld>
             <a:endParaRPr lang="en-US"/>
           </a:p>
@@ -7283,7 +7285,7 @@
           <a:p>
             <a:fld id="{E26E0DA5-0C76-4851-AA82-0B75261F9EB4}" type="datetimeFigureOut">
               <a:rPr lang="en-US" smtClean="0"/>
-              <a:t>1/9/2022</a:t>
+              <a:t>3/16/2022</a:t>
             </a:fld>
             <a:endParaRPr lang="en-US"/>
           </a:p>
@@ -7494,7 +7496,7 @@
           <a:p>
             <a:fld id="{E26E0DA5-0C76-4851-AA82-0B75261F9EB4}" type="datetimeFigureOut">
               <a:rPr lang="en-US" smtClean="0"/>
-              <a:t>1/9/2022</a:t>
+              <a:t>3/16/2022</a:t>
             </a:fld>
             <a:endParaRPr lang="en-US"/>
           </a:p>
@@ -8051,7 +8053,7 @@
             <a:fld id="{425404F2-BE9A-4460-8815-8F645183555F}" type="datetimeFigureOut">
               <a:rPr lang="en-US" smtClean="0"/>
               <a:pPr/>
-              <a:t>1/9/2022</a:t>
+              <a:t>3/16/2022</a:t>
             </a:fld>
             <a:endParaRPr lang="en-US"/>
           </a:p>
@@ -8631,33 +8633,17 @@
                   <a:schemeClr val="bg1"/>
                 </a:solidFill>
               </a:rPr>
-              <a:t>Anurag </a:t>
-            </a:r>
-            <a:r>
-              <a:rPr lang="en-US" sz="3600" spc="-150" dirty="0" smtClean="0">
-                <a:solidFill>
-                  <a:schemeClr val="bg1"/>
-                </a:solidFill>
-              </a:rPr>
-              <a:t>Bajaj</a:t>
-            </a:r>
-          </a:p>
-          <a:p>
-            <a:r>
-              <a:rPr lang="en-US" sz="3600" spc="-150" dirty="0" smtClean="0">
-                <a:solidFill>
-                  <a:schemeClr val="bg1"/>
-                </a:solidFill>
-              </a:rPr>
-              <a:t>Day </a:t>
-            </a:r>
+              <a:t>Anurag Bajaj</a:t>
+            </a:r>
+          </a:p>
+          <a:p>
             <a:r>
               <a:rPr lang="en-US" sz="3600" spc="-150" dirty="0">
                 <a:solidFill>
                   <a:schemeClr val="bg1"/>
                 </a:solidFill>
               </a:rPr>
-              <a:t>3</a:t>
+              <a:t>Day 3</a:t>
             </a:r>
           </a:p>
         </p:txBody>
@@ -8666,6 +8652,314 @@
     <p:extLst>
       <p:ext uri="{BB962C8B-B14F-4D97-AF65-F5344CB8AC3E}">
         <p14:creationId xmlns:p14="http://schemas.microsoft.com/office/powerpoint/2010/main" val="698128636"/>
+      </p:ext>
+    </p:extLst>
+  </p:cSld>
+  <p:clrMapOvr>
+    <a:masterClrMapping/>
+  </p:clrMapOvr>
+  <mc:AlternateContent xmlns:mc="http://schemas.openxmlformats.org/markup-compatibility/2006" xmlns:p14="http://schemas.microsoft.com/office/powerpoint/2010/main">
+    <mc:Choice Requires="p14">
+      <p:transition spd="med" p14:dur="700">
+        <p:fade/>
+      </p:transition>
+    </mc:Choice>
+    <mc:Fallback xmlns="">
+      <p:transition spd="med">
+        <p:fade/>
+      </p:transition>
+    </mc:Fallback>
+  </mc:AlternateContent>
+</p:sld>
+</file>
+
+<file path=ppt/slides/slide10.xml><?xml version="1.0" encoding="utf-8"?>
+<p:sld xmlns:a="http://schemas.openxmlformats.org/drawingml/2006/main" xmlns:r="http://schemas.openxmlformats.org/officeDocument/2006/relationships" xmlns:p="http://schemas.openxmlformats.org/presentationml/2006/main">
+  <p:cSld>
+    <p:spTree>
+      <p:nvGrpSpPr>
+        <p:cNvPr id="1" name=""/>
+        <p:cNvGrpSpPr/>
+        <p:nvPr/>
+      </p:nvGrpSpPr>
+      <p:grpSpPr>
+        <a:xfrm>
+          <a:off x="0" y="0"/>
+          <a:ext cx="0" cy="0"/>
+          <a:chOff x="0" y="0"/>
+          <a:chExt cx="0" cy="0"/>
+        </a:xfrm>
+      </p:grpSpPr>
+      <p:pic>
+        <p:nvPicPr>
+          <p:cNvPr id="1028" name="Picture 4" descr="Free Vector | Flat people with question marks background">
+            <a:extLst>
+              <a:ext uri="{FF2B5EF4-FFF2-40B4-BE49-F238E27FC236}">
+                <a16:creationId xmlns:a16="http://schemas.microsoft.com/office/drawing/2014/main" id="{E158EC70-4769-4E41-A278-C90EC4E480C7}"/>
+              </a:ext>
+            </a:extLst>
+          </p:cNvPr>
+          <p:cNvPicPr>
+            <a:picLocks noChangeAspect="1" noChangeArrowheads="1"/>
+          </p:cNvPicPr>
+          <p:nvPr/>
+        </p:nvPicPr>
+        <p:blipFill rotWithShape="1">
+          <a:blip r:embed="rId2">
+            <a:extLst>
+              <a:ext uri="{28A0092B-C50C-407E-A947-70E740481C1C}">
+                <a14:useLocalDpi xmlns:a14="http://schemas.microsoft.com/office/drawing/2010/main" val="0"/>
+              </a:ext>
+            </a:extLst>
+          </a:blip>
+          <a:srcRect t="1" b="22246"/>
+          <a:stretch/>
+        </p:blipFill>
+        <p:spPr bwMode="auto">
+          <a:xfrm>
+            <a:off x="1848418" y="639706"/>
+            <a:ext cx="7599507" cy="5908876"/>
+          </a:xfrm>
+          <a:prstGeom prst="rect">
+            <a:avLst/>
+          </a:prstGeom>
+          <a:noFill/>
+          <a:extLst>
+            <a:ext uri="{909E8E84-426E-40DD-AFC4-6F175D3DCCD1}">
+              <a14:hiddenFill xmlns:a14="http://schemas.microsoft.com/office/drawing/2010/main">
+                <a:solidFill>
+                  <a:srgbClr val="FFFFFF"/>
+                </a:solidFill>
+              </a14:hiddenFill>
+            </a:ext>
+          </a:extLst>
+        </p:spPr>
+      </p:pic>
+      <p:sp>
+        <p:nvSpPr>
+          <p:cNvPr id="2" name="TextBox 1">
+            <a:extLst>
+              <a:ext uri="{FF2B5EF4-FFF2-40B4-BE49-F238E27FC236}">
+                <a16:creationId xmlns:a16="http://schemas.microsoft.com/office/drawing/2014/main" id="{994C3DB2-D47E-4B94-804B-87AF1FDEF86E}"/>
+              </a:ext>
+            </a:extLst>
+          </p:cNvPr>
+          <p:cNvSpPr txBox="1"/>
+          <p:nvPr/>
+        </p:nvSpPr>
+        <p:spPr>
+          <a:xfrm>
+            <a:off x="4535055" y="1052946"/>
+            <a:ext cx="5588000" cy="769441"/>
+          </a:xfrm>
+          <a:prstGeom prst="rect">
+            <a:avLst/>
+          </a:prstGeom>
+          <a:noFill/>
+        </p:spPr>
+        <p:txBody>
+          <a:bodyPr wrap="square" rtlCol="0">
+            <a:spAutoFit/>
+          </a:bodyPr>
+          <a:lstStyle/>
+          <a:p>
+            <a:r>
+              <a:rPr lang="en-US" sz="4400" b="1" dirty="0"/>
+              <a:t>Questions</a:t>
+            </a:r>
+          </a:p>
+        </p:txBody>
+      </p:sp>
+    </p:spTree>
+    <p:extLst>
+      <p:ext uri="{BB962C8B-B14F-4D97-AF65-F5344CB8AC3E}">
+        <p14:creationId xmlns:p14="http://schemas.microsoft.com/office/powerpoint/2010/main" val="1308118299"/>
+      </p:ext>
+    </p:extLst>
+  </p:cSld>
+  <p:clrMapOvr>
+    <a:masterClrMapping/>
+  </p:clrMapOvr>
+</p:sld>
+</file>
+
+<file path=ppt/slides/slide11.xml><?xml version="1.0" encoding="utf-8"?>
+<p:sld xmlns:a="http://schemas.openxmlformats.org/drawingml/2006/main" xmlns:r="http://schemas.openxmlformats.org/officeDocument/2006/relationships" xmlns:p="http://schemas.openxmlformats.org/presentationml/2006/main">
+  <p:cSld>
+    <p:bg>
+      <p:bgPr>
+        <a:solidFill>
+          <a:schemeClr val="bg1">
+            <a:lumMod val="95000"/>
+          </a:schemeClr>
+        </a:solidFill>
+        <a:effectLst/>
+      </p:bgPr>
+    </p:bg>
+    <p:spTree>
+      <p:nvGrpSpPr>
+        <p:cNvPr id="1" name=""/>
+        <p:cNvGrpSpPr/>
+        <p:nvPr/>
+      </p:nvGrpSpPr>
+      <p:grpSpPr>
+        <a:xfrm>
+          <a:off x="0" y="0"/>
+          <a:ext cx="0" cy="0"/>
+          <a:chOff x="0" y="0"/>
+          <a:chExt cx="0" cy="0"/>
+        </a:xfrm>
+      </p:grpSpPr>
+      <p:pic>
+        <p:nvPicPr>
+          <p:cNvPr id="2052" name="Picture 4" descr="Ski Jumping Arena - Free Presentation Templates">
+            <a:extLst>
+              <a:ext uri="{FF2B5EF4-FFF2-40B4-BE49-F238E27FC236}">
+                <a16:creationId xmlns:a16="http://schemas.microsoft.com/office/drawing/2014/main" id="{B0D7E6A1-F72A-4F69-B4FB-A4ED7A0C6CED}"/>
+              </a:ext>
+            </a:extLst>
+          </p:cNvPr>
+          <p:cNvPicPr>
+            <a:picLocks noChangeAspect="1" noChangeArrowheads="1"/>
+          </p:cNvPicPr>
+          <p:nvPr/>
+        </p:nvPicPr>
+        <p:blipFill rotWithShape="1">
+          <a:blip r:embed="rId3">
+            <a:extLst>
+              <a:ext uri="{28A0092B-C50C-407E-A947-70E740481C1C}">
+                <a14:useLocalDpi xmlns:a14="http://schemas.microsoft.com/office/drawing/2010/main" val="0"/>
+              </a:ext>
+            </a:extLst>
+          </a:blip>
+          <a:srcRect r="2246" b="2246"/>
+          <a:stretch/>
+        </p:blipFill>
+        <p:spPr bwMode="auto">
+          <a:xfrm>
+            <a:off x="0" y="0"/>
+            <a:ext cx="12192000" cy="6858000"/>
+          </a:xfrm>
+          <a:prstGeom prst="rect">
+            <a:avLst/>
+          </a:prstGeom>
+          <a:noFill/>
+          <a:extLst>
+            <a:ext uri="{909E8E84-426E-40DD-AFC4-6F175D3DCCD1}">
+              <a14:hiddenFill xmlns:a14="http://schemas.microsoft.com/office/drawing/2010/main">
+                <a:solidFill>
+                  <a:srgbClr val="FFFFFF"/>
+                </a:solidFill>
+              </a14:hiddenFill>
+            </a:ext>
+          </a:extLst>
+        </p:spPr>
+      </p:pic>
+      <p:sp>
+        <p:nvSpPr>
+          <p:cNvPr id="5" name="TextBox 4"/>
+          <p:cNvSpPr txBox="1"/>
+          <p:nvPr/>
+        </p:nvSpPr>
+        <p:spPr>
+          <a:xfrm>
+            <a:off x="1910833" y="3429000"/>
+            <a:ext cx="6629399" cy="1200329"/>
+          </a:xfrm>
+          <a:prstGeom prst="rect">
+            <a:avLst/>
+          </a:prstGeom>
+          <a:noFill/>
+        </p:spPr>
+        <p:txBody>
+          <a:bodyPr wrap="square" rtlCol="0">
+            <a:spAutoFit/>
+          </a:bodyPr>
+          <a:lstStyle/>
+          <a:p>
+            <a:pPr marL="0" marR="0" lvl="0" indent="0" algn="l" defTabSz="914400" rtl="0" eaLnBrk="1" fontAlgn="auto" latinLnBrk="0" hangingPunct="1">
+              <a:lnSpc>
+                <a:spcPct val="100000"/>
+              </a:lnSpc>
+              <a:spcBef>
+                <a:spcPts val="0"/>
+              </a:spcBef>
+              <a:spcAft>
+                <a:spcPts val="0"/>
+              </a:spcAft>
+              <a:buClrTx/>
+              <a:buSzTx/>
+              <a:buFontTx/>
+              <a:buNone/>
+              <a:tabLst/>
+              <a:defRPr/>
+            </a:pPr>
+            <a:r>
+              <a:rPr kumimoji="0" lang="en-US" sz="3600" b="0" i="0" u="none" strike="noStrike" kern="1200" cap="none" spc="-150" normalizeH="0" baseline="0" noProof="0" dirty="0">
+                <a:ln>
+                  <a:noFill/>
+                </a:ln>
+                <a:solidFill>
+                  <a:prstClr val="white"/>
+                </a:solidFill>
+                <a:effectLst/>
+                <a:uLnTx/>
+                <a:uFillTx/>
+                <a:latin typeface="Calibri" panose="020F0502020204030204"/>
+                <a:ea typeface="+mn-ea"/>
+                <a:cs typeface="+mn-cs"/>
+              </a:rPr>
+              <a:t>Anurag Bajaj</a:t>
+            </a:r>
+          </a:p>
+          <a:p>
+            <a:pPr marL="0" marR="0" lvl="0" indent="0" algn="l" defTabSz="914400" rtl="0" eaLnBrk="1" fontAlgn="auto" latinLnBrk="0" hangingPunct="1">
+              <a:lnSpc>
+                <a:spcPct val="100000"/>
+              </a:lnSpc>
+              <a:spcBef>
+                <a:spcPts val="0"/>
+              </a:spcBef>
+              <a:spcAft>
+                <a:spcPts val="0"/>
+              </a:spcAft>
+              <a:buClrTx/>
+              <a:buSzTx/>
+              <a:buFontTx/>
+              <a:buNone/>
+              <a:tabLst/>
+              <a:defRPr/>
+            </a:pPr>
+            <a:r>
+              <a:rPr lang="en-US" sz="3600" spc="-150" dirty="0">
+                <a:solidFill>
+                  <a:prstClr val="white"/>
+                </a:solidFill>
+                <a:latin typeface="Calibri" panose="020F0502020204030204"/>
+              </a:rPr>
+              <a:t>anurag.bajaj02@gmail.com</a:t>
+            </a:r>
+            <a:endParaRPr kumimoji="0" lang="en-US" sz="3600" b="0" i="0" u="none" strike="noStrike" kern="1200" cap="none" spc="-150" normalizeH="0" baseline="0" noProof="0" dirty="0">
+              <a:ln>
+                <a:noFill/>
+              </a:ln>
+              <a:solidFill>
+                <a:prstClr val="white"/>
+              </a:solidFill>
+              <a:effectLst/>
+              <a:uLnTx/>
+              <a:uFillTx/>
+              <a:latin typeface="Calibri" panose="020F0502020204030204"/>
+              <a:ea typeface="+mn-ea"/>
+              <a:cs typeface="+mn-cs"/>
+            </a:endParaRPr>
+          </a:p>
+        </p:txBody>
+      </p:sp>
+    </p:spTree>
+    <p:extLst>
+      <p:ext uri="{BB962C8B-B14F-4D97-AF65-F5344CB8AC3E}">
+        <p14:creationId xmlns:p14="http://schemas.microsoft.com/office/powerpoint/2010/main" val="132008300"/>
       </p:ext>
     </p:extLst>
   </p:cSld>
@@ -9524,6 +9818,1076 @@
 </file>
 
 <file path=ppt/slides/slide3.xml><?xml version="1.0" encoding="utf-8"?>
+<p:sld xmlns:a="http://schemas.openxmlformats.org/drawingml/2006/main" xmlns:r="http://schemas.openxmlformats.org/officeDocument/2006/relationships" xmlns:p="http://schemas.openxmlformats.org/presentationml/2006/main">
+  <p:cSld>
+    <p:spTree>
+      <p:nvGrpSpPr>
+        <p:cNvPr id="1" name=""/>
+        <p:cNvGrpSpPr/>
+        <p:nvPr/>
+      </p:nvGrpSpPr>
+      <p:grpSpPr>
+        <a:xfrm>
+          <a:off x="0" y="0"/>
+          <a:ext cx="0" cy="0"/>
+          <a:chOff x="0" y="0"/>
+          <a:chExt cx="0" cy="0"/>
+        </a:xfrm>
+      </p:grpSpPr>
+      <p:sp>
+        <p:nvSpPr>
+          <p:cNvPr id="2" name="Rectangle 1">
+            <a:extLst>
+              <a:ext uri="{FF2B5EF4-FFF2-40B4-BE49-F238E27FC236}">
+                <a16:creationId xmlns:a16="http://schemas.microsoft.com/office/drawing/2014/main" id="{E828C3F5-2217-4384-A6F8-43DC24EC21BC}"/>
+              </a:ext>
+            </a:extLst>
+          </p:cNvPr>
+          <p:cNvSpPr/>
+          <p:nvPr/>
+        </p:nvSpPr>
+        <p:spPr>
+          <a:xfrm>
+            <a:off x="1828800" y="476250"/>
+            <a:ext cx="8058150" cy="5429250"/>
+          </a:xfrm>
+          <a:prstGeom prst="rect">
+            <a:avLst/>
+          </a:prstGeom>
+        </p:spPr>
+        <p:style>
+          <a:lnRef idx="2">
+            <a:schemeClr val="accent1">
+              <a:shade val="50000"/>
+            </a:schemeClr>
+          </a:lnRef>
+          <a:fillRef idx="1">
+            <a:schemeClr val="accent1"/>
+          </a:fillRef>
+          <a:effectRef idx="0">
+            <a:schemeClr val="accent1"/>
+          </a:effectRef>
+          <a:fontRef idx="minor">
+            <a:schemeClr val="lt1"/>
+          </a:fontRef>
+        </p:style>
+        <p:txBody>
+          <a:bodyPr rtlCol="0" anchor="ctr"/>
+          <a:lstStyle/>
+          <a:p>
+            <a:pPr algn="ctr"/>
+            <a:r>
+              <a:rPr lang="en-US" dirty="0"/>
+              <a:t>Story</a:t>
+            </a:r>
+          </a:p>
+          <a:p>
+            <a:pPr algn="ctr"/>
+            <a:endParaRPr lang="en-US" dirty="0"/>
+          </a:p>
+          <a:p>
+            <a:pPr algn="ctr"/>
+            <a:endParaRPr lang="en-US" dirty="0"/>
+          </a:p>
+          <a:p>
+            <a:pPr algn="ctr"/>
+            <a:endParaRPr lang="en-US" dirty="0"/>
+          </a:p>
+          <a:p>
+            <a:pPr algn="ctr"/>
+            <a:endParaRPr lang="en-US" dirty="0"/>
+          </a:p>
+          <a:p>
+            <a:pPr algn="ctr"/>
+            <a:endParaRPr lang="en-US" dirty="0"/>
+          </a:p>
+          <a:p>
+            <a:pPr algn="ctr"/>
+            <a:endParaRPr lang="en-US" dirty="0"/>
+          </a:p>
+          <a:p>
+            <a:pPr algn="ctr"/>
+            <a:endParaRPr lang="en-US" dirty="0"/>
+          </a:p>
+          <a:p>
+            <a:pPr algn="ctr"/>
+            <a:endParaRPr lang="en-US" dirty="0"/>
+          </a:p>
+          <a:p>
+            <a:pPr algn="ctr"/>
+            <a:endParaRPr lang="en-US" dirty="0"/>
+          </a:p>
+          <a:p>
+            <a:pPr algn="ctr"/>
+            <a:endParaRPr lang="en-US" dirty="0"/>
+          </a:p>
+          <a:p>
+            <a:pPr algn="ctr"/>
+            <a:endParaRPr lang="en-US" dirty="0"/>
+          </a:p>
+          <a:p>
+            <a:pPr algn="ctr"/>
+            <a:endParaRPr lang="en-US" dirty="0"/>
+          </a:p>
+          <a:p>
+            <a:pPr algn="ctr"/>
+            <a:endParaRPr lang="en-US" dirty="0"/>
+          </a:p>
+          <a:p>
+            <a:pPr algn="ctr"/>
+            <a:endParaRPr lang="en-US" dirty="0"/>
+          </a:p>
+          <a:p>
+            <a:pPr algn="ctr"/>
+            <a:endParaRPr lang="en-US" dirty="0"/>
+          </a:p>
+          <a:p>
+            <a:pPr algn="ctr"/>
+            <a:endParaRPr lang="en-US" dirty="0"/>
+          </a:p>
+        </p:txBody>
+      </p:sp>
+      <p:sp>
+        <p:nvSpPr>
+          <p:cNvPr id="3" name="Rectangle 2">
+            <a:extLst>
+              <a:ext uri="{FF2B5EF4-FFF2-40B4-BE49-F238E27FC236}">
+                <a16:creationId xmlns:a16="http://schemas.microsoft.com/office/drawing/2014/main" id="{642047F2-F940-43B9-8731-060A8B0406BF}"/>
+              </a:ext>
+            </a:extLst>
+          </p:cNvPr>
+          <p:cNvSpPr/>
+          <p:nvPr/>
+        </p:nvSpPr>
+        <p:spPr>
+          <a:xfrm>
+            <a:off x="2219325" y="1676400"/>
+            <a:ext cx="3009900" cy="3362325"/>
+          </a:xfrm>
+          <a:prstGeom prst="rect">
+            <a:avLst/>
+          </a:prstGeom>
+          <a:solidFill>
+            <a:srgbClr val="FFFF00"/>
+          </a:solidFill>
+        </p:spPr>
+        <p:style>
+          <a:lnRef idx="2">
+            <a:schemeClr val="accent1">
+              <a:shade val="50000"/>
+            </a:schemeClr>
+          </a:lnRef>
+          <a:fillRef idx="1">
+            <a:schemeClr val="accent1"/>
+          </a:fillRef>
+          <a:effectRef idx="0">
+            <a:schemeClr val="accent1"/>
+          </a:effectRef>
+          <a:fontRef idx="minor">
+            <a:schemeClr val="lt1"/>
+          </a:fontRef>
+        </p:style>
+        <p:txBody>
+          <a:bodyPr rtlCol="0" anchor="ctr"/>
+          <a:lstStyle/>
+          <a:p>
+            <a:pPr algn="ctr"/>
+            <a:endParaRPr lang="en-US"/>
+          </a:p>
+        </p:txBody>
+      </p:sp>
+      <p:sp>
+        <p:nvSpPr>
+          <p:cNvPr id="4" name="Rectangle 3">
+            <a:extLst>
+              <a:ext uri="{FF2B5EF4-FFF2-40B4-BE49-F238E27FC236}">
+                <a16:creationId xmlns:a16="http://schemas.microsoft.com/office/drawing/2014/main" id="{DE2C8AA8-84F9-4F1B-8017-65B6F1700218}"/>
+              </a:ext>
+            </a:extLst>
+          </p:cNvPr>
+          <p:cNvSpPr/>
+          <p:nvPr/>
+        </p:nvSpPr>
+        <p:spPr>
+          <a:xfrm>
+            <a:off x="6053137" y="1676400"/>
+            <a:ext cx="3009900" cy="3362325"/>
+          </a:xfrm>
+          <a:prstGeom prst="rect">
+            <a:avLst/>
+          </a:prstGeom>
+        </p:spPr>
+        <p:style>
+          <a:lnRef idx="2">
+            <a:schemeClr val="accent1">
+              <a:shade val="50000"/>
+            </a:schemeClr>
+          </a:lnRef>
+          <a:fillRef idx="1">
+            <a:schemeClr val="accent1"/>
+          </a:fillRef>
+          <a:effectRef idx="0">
+            <a:schemeClr val="accent1"/>
+          </a:effectRef>
+          <a:fontRef idx="minor">
+            <a:schemeClr val="lt1"/>
+          </a:fontRef>
+        </p:style>
+        <p:txBody>
+          <a:bodyPr rtlCol="0" anchor="ctr"/>
+          <a:lstStyle/>
+          <a:p>
+            <a:pPr algn="ctr"/>
+            <a:endParaRPr lang="en-US"/>
+          </a:p>
+        </p:txBody>
+      </p:sp>
+      <p:sp>
+        <p:nvSpPr>
+          <p:cNvPr id="5" name="Rectangle 4">
+            <a:extLst>
+              <a:ext uri="{FF2B5EF4-FFF2-40B4-BE49-F238E27FC236}">
+                <a16:creationId xmlns:a16="http://schemas.microsoft.com/office/drawing/2014/main" id="{4FFBB04D-F354-49A0-A0F9-6CA0AAB00B07}"/>
+              </a:ext>
+            </a:extLst>
+          </p:cNvPr>
+          <p:cNvSpPr/>
+          <p:nvPr/>
+        </p:nvSpPr>
+        <p:spPr>
+          <a:xfrm>
+            <a:off x="6053137" y="1676399"/>
+            <a:ext cx="3009900" cy="3362325"/>
+          </a:xfrm>
+          <a:prstGeom prst="rect">
+            <a:avLst/>
+          </a:prstGeom>
+          <a:solidFill>
+            <a:srgbClr val="FFFF00"/>
+          </a:solidFill>
+        </p:spPr>
+        <p:style>
+          <a:lnRef idx="2">
+            <a:schemeClr val="accent1">
+              <a:shade val="50000"/>
+            </a:schemeClr>
+          </a:lnRef>
+          <a:fillRef idx="1">
+            <a:schemeClr val="accent1"/>
+          </a:fillRef>
+          <a:effectRef idx="0">
+            <a:schemeClr val="accent1"/>
+          </a:effectRef>
+          <a:fontRef idx="minor">
+            <a:schemeClr val="lt1"/>
+          </a:fontRef>
+        </p:style>
+        <p:txBody>
+          <a:bodyPr rtlCol="0" anchor="ctr"/>
+          <a:lstStyle/>
+          <a:p>
+            <a:pPr algn="ctr"/>
+            <a:endParaRPr lang="en-US"/>
+          </a:p>
+        </p:txBody>
+      </p:sp>
+      <p:sp>
+        <p:nvSpPr>
+          <p:cNvPr id="6" name="Rectangle 5">
+            <a:extLst>
+              <a:ext uri="{FF2B5EF4-FFF2-40B4-BE49-F238E27FC236}">
+                <a16:creationId xmlns:a16="http://schemas.microsoft.com/office/drawing/2014/main" id="{1BACE83D-533F-4A1F-A610-5FC4F30DC878}"/>
+              </a:ext>
+            </a:extLst>
+          </p:cNvPr>
+          <p:cNvSpPr/>
+          <p:nvPr/>
+        </p:nvSpPr>
+        <p:spPr>
+          <a:xfrm>
+            <a:off x="3186112" y="2009775"/>
+            <a:ext cx="1285875" cy="1085850"/>
+          </a:xfrm>
+          <a:prstGeom prst="rect">
+            <a:avLst/>
+          </a:prstGeom>
+        </p:spPr>
+        <p:style>
+          <a:lnRef idx="2">
+            <a:schemeClr val="accent1">
+              <a:shade val="50000"/>
+            </a:schemeClr>
+          </a:lnRef>
+          <a:fillRef idx="1">
+            <a:schemeClr val="accent1"/>
+          </a:fillRef>
+          <a:effectRef idx="0">
+            <a:schemeClr val="accent1"/>
+          </a:effectRef>
+          <a:fontRef idx="minor">
+            <a:schemeClr val="lt1"/>
+          </a:fontRef>
+        </p:style>
+        <p:txBody>
+          <a:bodyPr rtlCol="0" anchor="ctr"/>
+          <a:lstStyle/>
+          <a:p>
+            <a:pPr algn="ctr"/>
+            <a:r>
+              <a:rPr lang="en-US" dirty="0"/>
+              <a:t>Page filter</a:t>
+            </a:r>
+          </a:p>
+        </p:txBody>
+      </p:sp>
+      <p:sp>
+        <p:nvSpPr>
+          <p:cNvPr id="7" name="Oval 6">
+            <a:extLst>
+              <a:ext uri="{FF2B5EF4-FFF2-40B4-BE49-F238E27FC236}">
+                <a16:creationId xmlns:a16="http://schemas.microsoft.com/office/drawing/2014/main" id="{616F1303-00AE-40FA-B766-3CBD5ED82064}"/>
+              </a:ext>
+            </a:extLst>
+          </p:cNvPr>
+          <p:cNvSpPr/>
+          <p:nvPr/>
+        </p:nvSpPr>
+        <p:spPr>
+          <a:xfrm>
+            <a:off x="2476500" y="3429000"/>
+            <a:ext cx="790575" cy="457200"/>
+          </a:xfrm>
+          <a:prstGeom prst="ellipse">
+            <a:avLst/>
+          </a:prstGeom>
+        </p:spPr>
+        <p:style>
+          <a:lnRef idx="2">
+            <a:schemeClr val="accent1">
+              <a:shade val="50000"/>
+            </a:schemeClr>
+          </a:lnRef>
+          <a:fillRef idx="1">
+            <a:schemeClr val="accent1"/>
+          </a:fillRef>
+          <a:effectRef idx="0">
+            <a:schemeClr val="accent1"/>
+          </a:effectRef>
+          <a:fontRef idx="minor">
+            <a:schemeClr val="lt1"/>
+          </a:fontRef>
+        </p:style>
+        <p:txBody>
+          <a:bodyPr rtlCol="0" anchor="ctr"/>
+          <a:lstStyle/>
+          <a:p>
+            <a:pPr algn="ctr"/>
+            <a:endParaRPr lang="en-US"/>
+          </a:p>
+        </p:txBody>
+      </p:sp>
+      <p:sp>
+        <p:nvSpPr>
+          <p:cNvPr id="8" name="Oval 7">
+            <a:extLst>
+              <a:ext uri="{FF2B5EF4-FFF2-40B4-BE49-F238E27FC236}">
+                <a16:creationId xmlns:a16="http://schemas.microsoft.com/office/drawing/2014/main" id="{E8495246-3D17-431E-9DCF-23D352D8C200}"/>
+              </a:ext>
+            </a:extLst>
+          </p:cNvPr>
+          <p:cNvSpPr/>
+          <p:nvPr/>
+        </p:nvSpPr>
+        <p:spPr>
+          <a:xfrm>
+            <a:off x="3905249" y="3429000"/>
+            <a:ext cx="790575" cy="457200"/>
+          </a:xfrm>
+          <a:prstGeom prst="ellipse">
+            <a:avLst/>
+          </a:prstGeom>
+        </p:spPr>
+        <p:style>
+          <a:lnRef idx="2">
+            <a:schemeClr val="accent1">
+              <a:shade val="50000"/>
+            </a:schemeClr>
+          </a:lnRef>
+          <a:fillRef idx="1">
+            <a:schemeClr val="accent1"/>
+          </a:fillRef>
+          <a:effectRef idx="0">
+            <a:schemeClr val="accent1"/>
+          </a:effectRef>
+          <a:fontRef idx="minor">
+            <a:schemeClr val="lt1"/>
+          </a:fontRef>
+        </p:style>
+        <p:txBody>
+          <a:bodyPr rtlCol="0" anchor="ctr"/>
+          <a:lstStyle/>
+          <a:p>
+            <a:pPr algn="ctr"/>
+            <a:endParaRPr lang="en-US"/>
+          </a:p>
+        </p:txBody>
+      </p:sp>
+      <p:sp>
+        <p:nvSpPr>
+          <p:cNvPr id="9" name="Oval 8">
+            <a:extLst>
+              <a:ext uri="{FF2B5EF4-FFF2-40B4-BE49-F238E27FC236}">
+                <a16:creationId xmlns:a16="http://schemas.microsoft.com/office/drawing/2014/main" id="{66E207EA-076B-47E9-B7C3-A35FA4310939}"/>
+              </a:ext>
+            </a:extLst>
+          </p:cNvPr>
+          <p:cNvSpPr/>
+          <p:nvPr/>
+        </p:nvSpPr>
+        <p:spPr>
+          <a:xfrm>
+            <a:off x="2533649" y="4102893"/>
+            <a:ext cx="790575" cy="457200"/>
+          </a:xfrm>
+          <a:prstGeom prst="ellipse">
+            <a:avLst/>
+          </a:prstGeom>
+        </p:spPr>
+        <p:style>
+          <a:lnRef idx="2">
+            <a:schemeClr val="accent1">
+              <a:shade val="50000"/>
+            </a:schemeClr>
+          </a:lnRef>
+          <a:fillRef idx="1">
+            <a:schemeClr val="accent1"/>
+          </a:fillRef>
+          <a:effectRef idx="0">
+            <a:schemeClr val="accent1"/>
+          </a:effectRef>
+          <a:fontRef idx="minor">
+            <a:schemeClr val="lt1"/>
+          </a:fontRef>
+        </p:style>
+        <p:txBody>
+          <a:bodyPr rtlCol="0" anchor="ctr"/>
+          <a:lstStyle/>
+          <a:p>
+            <a:pPr algn="ctr"/>
+            <a:endParaRPr lang="en-US"/>
+          </a:p>
+        </p:txBody>
+      </p:sp>
+      <p:sp>
+        <p:nvSpPr>
+          <p:cNvPr id="10" name="Oval 9">
+            <a:extLst>
+              <a:ext uri="{FF2B5EF4-FFF2-40B4-BE49-F238E27FC236}">
+                <a16:creationId xmlns:a16="http://schemas.microsoft.com/office/drawing/2014/main" id="{786CEE96-227F-40E7-916B-2E80BA25B63C}"/>
+              </a:ext>
+            </a:extLst>
+          </p:cNvPr>
+          <p:cNvSpPr/>
+          <p:nvPr/>
+        </p:nvSpPr>
+        <p:spPr>
+          <a:xfrm>
+            <a:off x="3914774" y="4102893"/>
+            <a:ext cx="790575" cy="457200"/>
+          </a:xfrm>
+          <a:prstGeom prst="ellipse">
+            <a:avLst/>
+          </a:prstGeom>
+        </p:spPr>
+        <p:style>
+          <a:lnRef idx="2">
+            <a:schemeClr val="accent1">
+              <a:shade val="50000"/>
+            </a:schemeClr>
+          </a:lnRef>
+          <a:fillRef idx="1">
+            <a:schemeClr val="accent1"/>
+          </a:fillRef>
+          <a:effectRef idx="0">
+            <a:schemeClr val="accent1"/>
+          </a:effectRef>
+          <a:fontRef idx="minor">
+            <a:schemeClr val="lt1"/>
+          </a:fontRef>
+        </p:style>
+        <p:txBody>
+          <a:bodyPr rtlCol="0" anchor="ctr"/>
+          <a:lstStyle/>
+          <a:p>
+            <a:pPr algn="ctr"/>
+            <a:endParaRPr lang="en-US"/>
+          </a:p>
+        </p:txBody>
+      </p:sp>
+      <p:sp>
+        <p:nvSpPr>
+          <p:cNvPr id="11" name="Oval 10">
+            <a:extLst>
+              <a:ext uri="{FF2B5EF4-FFF2-40B4-BE49-F238E27FC236}">
+                <a16:creationId xmlns:a16="http://schemas.microsoft.com/office/drawing/2014/main" id="{6667143F-9385-4102-899B-2161F17A7492}"/>
+              </a:ext>
+            </a:extLst>
+          </p:cNvPr>
+          <p:cNvSpPr/>
+          <p:nvPr/>
+        </p:nvSpPr>
+        <p:spPr>
+          <a:xfrm>
+            <a:off x="6505575" y="3429000"/>
+            <a:ext cx="790575" cy="457200"/>
+          </a:xfrm>
+          <a:prstGeom prst="ellipse">
+            <a:avLst/>
+          </a:prstGeom>
+        </p:spPr>
+        <p:style>
+          <a:lnRef idx="2">
+            <a:schemeClr val="accent1">
+              <a:shade val="50000"/>
+            </a:schemeClr>
+          </a:lnRef>
+          <a:fillRef idx="1">
+            <a:schemeClr val="accent1"/>
+          </a:fillRef>
+          <a:effectRef idx="0">
+            <a:schemeClr val="accent1"/>
+          </a:effectRef>
+          <a:fontRef idx="minor">
+            <a:schemeClr val="lt1"/>
+          </a:fontRef>
+        </p:style>
+        <p:txBody>
+          <a:bodyPr rtlCol="0" anchor="ctr"/>
+          <a:lstStyle/>
+          <a:p>
+            <a:pPr algn="ctr"/>
+            <a:endParaRPr lang="en-US"/>
+          </a:p>
+        </p:txBody>
+      </p:sp>
+      <p:sp>
+        <p:nvSpPr>
+          <p:cNvPr id="12" name="Oval 11">
+            <a:extLst>
+              <a:ext uri="{FF2B5EF4-FFF2-40B4-BE49-F238E27FC236}">
+                <a16:creationId xmlns:a16="http://schemas.microsoft.com/office/drawing/2014/main" id="{812FF4B2-13D0-48E7-8C96-FA7C46923733}"/>
+              </a:ext>
+            </a:extLst>
+          </p:cNvPr>
+          <p:cNvSpPr/>
+          <p:nvPr/>
+        </p:nvSpPr>
+        <p:spPr>
+          <a:xfrm>
+            <a:off x="7953375" y="3429000"/>
+            <a:ext cx="790575" cy="457200"/>
+          </a:xfrm>
+          <a:prstGeom prst="ellipse">
+            <a:avLst/>
+          </a:prstGeom>
+        </p:spPr>
+        <p:style>
+          <a:lnRef idx="2">
+            <a:schemeClr val="accent1">
+              <a:shade val="50000"/>
+            </a:schemeClr>
+          </a:lnRef>
+          <a:fillRef idx="1">
+            <a:schemeClr val="accent1"/>
+          </a:fillRef>
+          <a:effectRef idx="0">
+            <a:schemeClr val="accent1"/>
+          </a:effectRef>
+          <a:fontRef idx="minor">
+            <a:schemeClr val="lt1"/>
+          </a:fontRef>
+        </p:style>
+        <p:txBody>
+          <a:bodyPr rtlCol="0" anchor="ctr"/>
+          <a:lstStyle/>
+          <a:p>
+            <a:pPr algn="ctr"/>
+            <a:endParaRPr lang="en-US"/>
+          </a:p>
+        </p:txBody>
+      </p:sp>
+      <p:cxnSp>
+        <p:nvCxnSpPr>
+          <p:cNvPr id="14" name="Straight Arrow Connector 13">
+            <a:extLst>
+              <a:ext uri="{FF2B5EF4-FFF2-40B4-BE49-F238E27FC236}">
+                <a16:creationId xmlns:a16="http://schemas.microsoft.com/office/drawing/2014/main" id="{C3E44B10-3C74-4BBE-897A-B7596FE30DBB}"/>
+              </a:ext>
+            </a:extLst>
+          </p:cNvPr>
+          <p:cNvCxnSpPr>
+            <a:stCxn id="6" idx="2"/>
+          </p:cNvCxnSpPr>
+          <p:nvPr/>
+        </p:nvCxnSpPr>
+        <p:spPr>
+          <a:xfrm>
+            <a:off x="3829050" y="3095625"/>
+            <a:ext cx="342900" cy="355997"/>
+          </a:xfrm>
+          <a:prstGeom prst="straightConnector1">
+            <a:avLst/>
+          </a:prstGeom>
+          <a:ln>
+            <a:tailEnd type="triangle"/>
+          </a:ln>
+        </p:spPr>
+        <p:style>
+          <a:lnRef idx="1">
+            <a:schemeClr val="accent1"/>
+          </a:lnRef>
+          <a:fillRef idx="0">
+            <a:schemeClr val="accent1"/>
+          </a:fillRef>
+          <a:effectRef idx="0">
+            <a:schemeClr val="accent1"/>
+          </a:effectRef>
+          <a:fontRef idx="minor">
+            <a:schemeClr val="tx1"/>
+          </a:fontRef>
+        </p:style>
+      </p:cxnSp>
+      <p:sp>
+        <p:nvSpPr>
+          <p:cNvPr id="17" name="Rectangle 16">
+            <a:extLst>
+              <a:ext uri="{FF2B5EF4-FFF2-40B4-BE49-F238E27FC236}">
+                <a16:creationId xmlns:a16="http://schemas.microsoft.com/office/drawing/2014/main" id="{22392392-E646-4111-8D28-EFE767A11911}"/>
+              </a:ext>
+            </a:extLst>
+          </p:cNvPr>
+          <p:cNvSpPr/>
+          <p:nvPr/>
+        </p:nvSpPr>
+        <p:spPr>
+          <a:xfrm>
+            <a:off x="4619625" y="1212057"/>
+            <a:ext cx="1895475" cy="375047"/>
+          </a:xfrm>
+          <a:prstGeom prst="rect">
+            <a:avLst/>
+          </a:prstGeom>
+          <a:solidFill>
+            <a:srgbClr val="FFFF00"/>
+          </a:solidFill>
+        </p:spPr>
+        <p:style>
+          <a:lnRef idx="2">
+            <a:schemeClr val="accent1">
+              <a:shade val="50000"/>
+            </a:schemeClr>
+          </a:lnRef>
+          <a:fillRef idx="1">
+            <a:schemeClr val="accent1"/>
+          </a:fillRef>
+          <a:effectRef idx="0">
+            <a:schemeClr val="accent1"/>
+          </a:effectRef>
+          <a:fontRef idx="minor">
+            <a:schemeClr val="lt1"/>
+          </a:fontRef>
+        </p:style>
+        <p:txBody>
+          <a:bodyPr rtlCol="0" anchor="ctr"/>
+          <a:lstStyle/>
+          <a:p>
+            <a:pPr algn="ctr"/>
+            <a:r>
+              <a:rPr lang="en-US" dirty="0">
+                <a:solidFill>
+                  <a:schemeClr val="tx1">
+                    <a:lumMod val="85000"/>
+                    <a:lumOff val="15000"/>
+                  </a:schemeClr>
+                </a:solidFill>
+              </a:rPr>
+              <a:t>Story Filter</a:t>
+            </a:r>
+          </a:p>
+        </p:txBody>
+      </p:sp>
+    </p:spTree>
+    <p:extLst>
+      <p:ext uri="{BB962C8B-B14F-4D97-AF65-F5344CB8AC3E}">
+        <p14:creationId xmlns:p14="http://schemas.microsoft.com/office/powerpoint/2010/main" val="4277679515"/>
+      </p:ext>
+    </p:extLst>
+  </p:cSld>
+  <p:clrMapOvr>
+    <a:masterClrMapping/>
+  </p:clrMapOvr>
+</p:sld>
+</file>
+
+<file path=ppt/slides/slide4.xml><?xml version="1.0" encoding="utf-8"?>
+<p:sld xmlns:a="http://schemas.openxmlformats.org/drawingml/2006/main" xmlns:r="http://schemas.openxmlformats.org/officeDocument/2006/relationships" xmlns:p="http://schemas.openxmlformats.org/presentationml/2006/main">
+  <p:cSld>
+    <p:spTree>
+      <p:nvGrpSpPr>
+        <p:cNvPr id="1" name=""/>
+        <p:cNvGrpSpPr/>
+        <p:nvPr/>
+      </p:nvGrpSpPr>
+      <p:grpSpPr>
+        <a:xfrm>
+          <a:off x="0" y="0"/>
+          <a:ext cx="0" cy="0"/>
+          <a:chOff x="0" y="0"/>
+          <a:chExt cx="0" cy="0"/>
+        </a:xfrm>
+      </p:grpSpPr>
+      <p:sp>
+        <p:nvSpPr>
+          <p:cNvPr id="2" name="Rectangle 1">
+            <a:extLst>
+              <a:ext uri="{FF2B5EF4-FFF2-40B4-BE49-F238E27FC236}">
+                <a16:creationId xmlns:a16="http://schemas.microsoft.com/office/drawing/2014/main" id="{CE692511-C87D-4501-AA28-268903810C73}"/>
+              </a:ext>
+            </a:extLst>
+          </p:cNvPr>
+          <p:cNvSpPr/>
+          <p:nvPr/>
+        </p:nvSpPr>
+        <p:spPr>
+          <a:xfrm>
+            <a:off x="1476375" y="942975"/>
+            <a:ext cx="3057525" cy="2343150"/>
+          </a:xfrm>
+          <a:prstGeom prst="rect">
+            <a:avLst/>
+          </a:prstGeom>
+        </p:spPr>
+        <p:style>
+          <a:lnRef idx="2">
+            <a:schemeClr val="accent1">
+              <a:shade val="50000"/>
+            </a:schemeClr>
+          </a:lnRef>
+          <a:fillRef idx="1">
+            <a:schemeClr val="accent1"/>
+          </a:fillRef>
+          <a:effectRef idx="0">
+            <a:schemeClr val="accent1"/>
+          </a:effectRef>
+          <a:fontRef idx="minor">
+            <a:schemeClr val="lt1"/>
+          </a:fontRef>
+        </p:style>
+        <p:txBody>
+          <a:bodyPr rtlCol="0" anchor="ctr"/>
+          <a:lstStyle/>
+          <a:p>
+            <a:pPr algn="ctr"/>
+            <a:r>
+              <a:rPr lang="en-US" dirty="0"/>
+              <a:t>Table 1</a:t>
+            </a:r>
+          </a:p>
+          <a:p>
+            <a:pPr algn="ctr"/>
+            <a:r>
+              <a:rPr lang="en-US" dirty="0"/>
+              <a:t>Model 1</a:t>
+            </a:r>
+          </a:p>
+          <a:p>
+            <a:pPr algn="ctr"/>
+            <a:endParaRPr lang="en-US" dirty="0"/>
+          </a:p>
+          <a:p>
+            <a:pPr algn="ctr"/>
+            <a:r>
+              <a:rPr lang="en-US" dirty="0"/>
+              <a:t>Actual Sales Data</a:t>
+            </a:r>
+          </a:p>
+        </p:txBody>
+      </p:sp>
+      <p:sp>
+        <p:nvSpPr>
+          <p:cNvPr id="3" name="Rectangle 2">
+            <a:extLst>
+              <a:ext uri="{FF2B5EF4-FFF2-40B4-BE49-F238E27FC236}">
+                <a16:creationId xmlns:a16="http://schemas.microsoft.com/office/drawing/2014/main" id="{56A72DA0-41C8-490D-80FB-0180E1CD9D86}"/>
+              </a:ext>
+            </a:extLst>
+          </p:cNvPr>
+          <p:cNvSpPr/>
+          <p:nvPr/>
+        </p:nvSpPr>
+        <p:spPr>
+          <a:xfrm>
+            <a:off x="6591300" y="1895475"/>
+            <a:ext cx="3057525" cy="2343150"/>
+          </a:xfrm>
+          <a:prstGeom prst="rect">
+            <a:avLst/>
+          </a:prstGeom>
+        </p:spPr>
+        <p:style>
+          <a:lnRef idx="2">
+            <a:schemeClr val="accent1">
+              <a:shade val="50000"/>
+            </a:schemeClr>
+          </a:lnRef>
+          <a:fillRef idx="1">
+            <a:schemeClr val="accent1"/>
+          </a:fillRef>
+          <a:effectRef idx="0">
+            <a:schemeClr val="accent1"/>
+          </a:effectRef>
+          <a:fontRef idx="minor">
+            <a:schemeClr val="lt1"/>
+          </a:fontRef>
+        </p:style>
+        <p:txBody>
+          <a:bodyPr rtlCol="0" anchor="ctr"/>
+          <a:lstStyle/>
+          <a:p>
+            <a:pPr algn="ctr"/>
+            <a:r>
+              <a:rPr lang="en-US" dirty="0"/>
+              <a:t>Table 2</a:t>
+            </a:r>
+          </a:p>
+          <a:p>
+            <a:pPr algn="ctr"/>
+            <a:r>
+              <a:rPr lang="en-US" dirty="0"/>
+              <a:t>Model 2</a:t>
+            </a:r>
+          </a:p>
+          <a:p>
+            <a:pPr algn="ctr"/>
+            <a:endParaRPr lang="en-US" dirty="0"/>
+          </a:p>
+          <a:p>
+            <a:pPr algn="ctr"/>
+            <a:r>
+              <a:rPr lang="en-US" dirty="0"/>
+              <a:t>Target Sales Data</a:t>
+            </a:r>
+          </a:p>
+        </p:txBody>
+      </p:sp>
+      <p:cxnSp>
+        <p:nvCxnSpPr>
+          <p:cNvPr id="5" name="Connector: Elbow 4">
+            <a:extLst>
+              <a:ext uri="{FF2B5EF4-FFF2-40B4-BE49-F238E27FC236}">
+                <a16:creationId xmlns:a16="http://schemas.microsoft.com/office/drawing/2014/main" id="{C21F0BBA-2CE2-4366-B851-19B6E82163ED}"/>
+              </a:ext>
+            </a:extLst>
+          </p:cNvPr>
+          <p:cNvCxnSpPr>
+            <a:cxnSpLocks/>
+          </p:cNvCxnSpPr>
+          <p:nvPr/>
+        </p:nvCxnSpPr>
+        <p:spPr>
+          <a:xfrm>
+            <a:off x="4572001" y="2114550"/>
+            <a:ext cx="2057400" cy="952500"/>
+          </a:xfrm>
+          <a:prstGeom prst="bentConnector3">
+            <a:avLst/>
+          </a:prstGeom>
+        </p:spPr>
+        <p:style>
+          <a:lnRef idx="1">
+            <a:schemeClr val="accent1"/>
+          </a:lnRef>
+          <a:fillRef idx="0">
+            <a:schemeClr val="accent1"/>
+          </a:fillRef>
+          <a:effectRef idx="0">
+            <a:schemeClr val="accent1"/>
+          </a:effectRef>
+          <a:fontRef idx="minor">
+            <a:schemeClr val="tx1"/>
+          </a:fontRef>
+        </p:style>
+      </p:cxnSp>
+      <p:sp>
+        <p:nvSpPr>
+          <p:cNvPr id="6" name="TextBox 5">
+            <a:extLst>
+              <a:ext uri="{FF2B5EF4-FFF2-40B4-BE49-F238E27FC236}">
+                <a16:creationId xmlns:a16="http://schemas.microsoft.com/office/drawing/2014/main" id="{ACD17A8E-996A-42E4-AFEA-4A3D51B6DF2E}"/>
+              </a:ext>
+            </a:extLst>
+          </p:cNvPr>
+          <p:cNvSpPr txBox="1"/>
+          <p:nvPr/>
+        </p:nvSpPr>
+        <p:spPr>
+          <a:xfrm>
+            <a:off x="4857751" y="1358681"/>
+            <a:ext cx="1485900" cy="1200329"/>
+          </a:xfrm>
+          <a:prstGeom prst="rect">
+            <a:avLst/>
+          </a:prstGeom>
+          <a:noFill/>
+        </p:spPr>
+        <p:txBody>
+          <a:bodyPr wrap="square" rtlCol="0">
+            <a:spAutoFit/>
+          </a:bodyPr>
+          <a:lstStyle/>
+          <a:p>
+            <a:r>
+              <a:rPr lang="en-US" dirty="0"/>
+              <a:t>Foreign Key</a:t>
+            </a:r>
+          </a:p>
+          <a:p>
+            <a:r>
+              <a:rPr lang="en-US" dirty="0"/>
+              <a:t>Joins</a:t>
+            </a:r>
+          </a:p>
+          <a:p>
+            <a:endParaRPr lang="en-US" dirty="0"/>
+          </a:p>
+          <a:p>
+            <a:r>
+              <a:rPr lang="en-US" b="1" dirty="0"/>
+              <a:t>Blending</a:t>
+            </a:r>
+          </a:p>
+        </p:txBody>
+      </p:sp>
+      <p:sp>
+        <p:nvSpPr>
+          <p:cNvPr id="7" name="TextBox 6">
+            <a:extLst>
+              <a:ext uri="{FF2B5EF4-FFF2-40B4-BE49-F238E27FC236}">
+                <a16:creationId xmlns:a16="http://schemas.microsoft.com/office/drawing/2014/main" id="{E1FE8173-FA9C-471E-A4AC-86C7B4671238}"/>
+              </a:ext>
+            </a:extLst>
+          </p:cNvPr>
+          <p:cNvSpPr txBox="1"/>
+          <p:nvPr/>
+        </p:nvSpPr>
+        <p:spPr>
+          <a:xfrm>
+            <a:off x="85724" y="3790951"/>
+            <a:ext cx="6924676" cy="2308324"/>
+          </a:xfrm>
+          <a:prstGeom prst="rect">
+            <a:avLst/>
+          </a:prstGeom>
+          <a:noFill/>
+        </p:spPr>
+        <p:txBody>
+          <a:bodyPr wrap="square" rtlCol="0">
+            <a:spAutoFit/>
+          </a:bodyPr>
+          <a:lstStyle/>
+          <a:p>
+            <a:r>
+              <a:rPr lang="en-US" dirty="0"/>
+              <a:t>Products		Planned(Target)		Achieved(Actual)</a:t>
+            </a:r>
+          </a:p>
+          <a:p>
+            <a:endParaRPr lang="en-US" dirty="0"/>
+          </a:p>
+          <a:p>
+            <a:r>
+              <a:rPr lang="en-US" dirty="0"/>
+              <a:t>PR1		100			30	</a:t>
+            </a:r>
+          </a:p>
+          <a:p>
+            <a:r>
+              <a:rPr lang="en-US" dirty="0"/>
+              <a:t>PR2		600			950</a:t>
+            </a:r>
+          </a:p>
+          <a:p>
+            <a:r>
+              <a:rPr lang="en-US" dirty="0"/>
+              <a:t>…</a:t>
+            </a:r>
+          </a:p>
+          <a:p>
+            <a:r>
+              <a:rPr lang="en-US" dirty="0"/>
+              <a:t>…</a:t>
+            </a:r>
+          </a:p>
+          <a:p>
+            <a:endParaRPr lang="en-US" dirty="0"/>
+          </a:p>
+          <a:p>
+            <a:r>
+              <a:rPr lang="en-US" dirty="0"/>
+              <a:t>	</a:t>
+            </a:r>
+          </a:p>
+        </p:txBody>
+      </p:sp>
+      <p:sp>
+        <p:nvSpPr>
+          <p:cNvPr id="8" name="TextBox 7">
+            <a:extLst>
+              <a:ext uri="{FF2B5EF4-FFF2-40B4-BE49-F238E27FC236}">
+                <a16:creationId xmlns:a16="http://schemas.microsoft.com/office/drawing/2014/main" id="{FF0C4C50-C428-491F-BEC5-BBA3AC4C572B}"/>
+              </a:ext>
+            </a:extLst>
+          </p:cNvPr>
+          <p:cNvSpPr txBox="1"/>
+          <p:nvPr/>
+        </p:nvSpPr>
+        <p:spPr>
+          <a:xfrm>
+            <a:off x="1000126" y="5400079"/>
+            <a:ext cx="10687050" cy="923330"/>
+          </a:xfrm>
+          <a:prstGeom prst="rect">
+            <a:avLst/>
+          </a:prstGeom>
+          <a:noFill/>
+        </p:spPr>
+        <p:txBody>
+          <a:bodyPr wrap="square" rtlCol="0">
+            <a:spAutoFit/>
+          </a:bodyPr>
+          <a:lstStyle/>
+          <a:p>
+            <a:r>
+              <a:rPr lang="en-US" dirty="0"/>
+              <a:t>Imagine you company has business in 35 countries, you build a chart to show order value per customer segment for entire company. Now your company want you to build the same for each country. Will you create 35 charts by coping each chart for one country?</a:t>
+            </a:r>
+          </a:p>
+        </p:txBody>
+      </p:sp>
+    </p:spTree>
+    <p:extLst>
+      <p:ext uri="{BB962C8B-B14F-4D97-AF65-F5344CB8AC3E}">
+        <p14:creationId xmlns:p14="http://schemas.microsoft.com/office/powerpoint/2010/main" val="3027732072"/>
+      </p:ext>
+    </p:extLst>
+  </p:cSld>
+  <p:clrMapOvr>
+    <a:masterClrMapping/>
+  </p:clrMapOvr>
+</p:sld>
+</file>
+
+<file path=ppt/slides/slide5.xml><?xml version="1.0" encoding="utf-8"?>
 <p:sld xmlns:a="http://schemas.openxmlformats.org/drawingml/2006/main" xmlns:r="http://schemas.openxmlformats.org/officeDocument/2006/relationships" xmlns:p="http://schemas.openxmlformats.org/presentationml/2006/main">
   <p:cSld>
     <p:spTree>
@@ -9787,6 +11151,362 @@
           </a:p>
         </p:txBody>
       </p:sp>
+      <p:sp>
+        <p:nvSpPr>
+          <p:cNvPr id="3" name="Rectangle 2">
+            <a:extLst>
+              <a:ext uri="{FF2B5EF4-FFF2-40B4-BE49-F238E27FC236}">
+                <a16:creationId xmlns:a16="http://schemas.microsoft.com/office/drawing/2014/main" id="{7EAE837E-C4EF-418A-9208-3E45FBF4EF3A}"/>
+              </a:ext>
+            </a:extLst>
+          </p:cNvPr>
+          <p:cNvSpPr/>
+          <p:nvPr/>
+        </p:nvSpPr>
+        <p:spPr>
+          <a:xfrm>
+            <a:off x="1190625" y="2543175"/>
+            <a:ext cx="3314700" cy="2257425"/>
+          </a:xfrm>
+          <a:prstGeom prst="rect">
+            <a:avLst/>
+          </a:prstGeom>
+        </p:spPr>
+        <p:style>
+          <a:lnRef idx="2">
+            <a:schemeClr val="accent1">
+              <a:shade val="50000"/>
+            </a:schemeClr>
+          </a:lnRef>
+          <a:fillRef idx="1">
+            <a:schemeClr val="accent1"/>
+          </a:fillRef>
+          <a:effectRef idx="0">
+            <a:schemeClr val="accent1"/>
+          </a:effectRef>
+          <a:fontRef idx="minor">
+            <a:schemeClr val="lt1"/>
+          </a:fontRef>
+        </p:style>
+        <p:txBody>
+          <a:bodyPr rtlCol="0" anchor="ctr"/>
+          <a:lstStyle/>
+          <a:p>
+            <a:pPr algn="ctr"/>
+            <a:r>
+              <a:rPr lang="en-US" dirty="0"/>
+              <a:t>SAP Analytics Cloud</a:t>
+            </a:r>
+          </a:p>
+        </p:txBody>
+      </p:sp>
+      <p:sp>
+        <p:nvSpPr>
+          <p:cNvPr id="8" name="Rectangle 7">
+            <a:extLst>
+              <a:ext uri="{FF2B5EF4-FFF2-40B4-BE49-F238E27FC236}">
+                <a16:creationId xmlns:a16="http://schemas.microsoft.com/office/drawing/2014/main" id="{5DFA6D9B-31BC-4AD3-B9D8-8D363243EF6B}"/>
+              </a:ext>
+            </a:extLst>
+          </p:cNvPr>
+          <p:cNvSpPr/>
+          <p:nvPr/>
+        </p:nvSpPr>
+        <p:spPr>
+          <a:xfrm>
+            <a:off x="8267700" y="2578297"/>
+            <a:ext cx="3314700" cy="2257425"/>
+          </a:xfrm>
+          <a:prstGeom prst="rect">
+            <a:avLst/>
+          </a:prstGeom>
+        </p:spPr>
+        <p:style>
+          <a:lnRef idx="2">
+            <a:schemeClr val="accent1">
+              <a:shade val="50000"/>
+            </a:schemeClr>
+          </a:lnRef>
+          <a:fillRef idx="1">
+            <a:schemeClr val="accent1"/>
+          </a:fillRef>
+          <a:effectRef idx="0">
+            <a:schemeClr val="accent1"/>
+          </a:effectRef>
+          <a:fontRef idx="minor">
+            <a:schemeClr val="lt1"/>
+          </a:fontRef>
+        </p:style>
+        <p:txBody>
+          <a:bodyPr rtlCol="0" anchor="ctr"/>
+          <a:lstStyle/>
+          <a:p>
+            <a:pPr algn="ctr"/>
+            <a:r>
+              <a:rPr lang="en-US" dirty="0"/>
+              <a:t>Google Drive</a:t>
+            </a:r>
+          </a:p>
+          <a:p>
+            <a:pPr algn="ctr"/>
+            <a:r>
+              <a:rPr lang="en-US" dirty="0"/>
+              <a:t>(data source)</a:t>
+            </a:r>
+          </a:p>
+        </p:txBody>
+      </p:sp>
+      <p:sp>
+        <p:nvSpPr>
+          <p:cNvPr id="4" name="Scroll: Vertical 3">
+            <a:extLst>
+              <a:ext uri="{FF2B5EF4-FFF2-40B4-BE49-F238E27FC236}">
+                <a16:creationId xmlns:a16="http://schemas.microsoft.com/office/drawing/2014/main" id="{FE78F7FD-219D-4EDD-BD39-186F553A6A05}"/>
+              </a:ext>
+            </a:extLst>
+          </p:cNvPr>
+          <p:cNvSpPr/>
+          <p:nvPr/>
+        </p:nvSpPr>
+        <p:spPr>
+          <a:xfrm>
+            <a:off x="1190625" y="5657850"/>
+            <a:ext cx="876300" cy="892374"/>
+          </a:xfrm>
+          <a:prstGeom prst="verticalScroll">
+            <a:avLst/>
+          </a:prstGeom>
+        </p:spPr>
+        <p:style>
+          <a:lnRef idx="2">
+            <a:schemeClr val="accent1">
+              <a:shade val="50000"/>
+            </a:schemeClr>
+          </a:lnRef>
+          <a:fillRef idx="1">
+            <a:schemeClr val="accent1"/>
+          </a:fillRef>
+          <a:effectRef idx="0">
+            <a:schemeClr val="accent1"/>
+          </a:effectRef>
+          <a:fontRef idx="minor">
+            <a:schemeClr val="lt1"/>
+          </a:fontRef>
+        </p:style>
+        <p:txBody>
+          <a:bodyPr rtlCol="0" anchor="ctr"/>
+          <a:lstStyle/>
+          <a:p>
+            <a:pPr algn="ctr"/>
+            <a:endParaRPr lang="en-US"/>
+          </a:p>
+        </p:txBody>
+      </p:sp>
+      <p:cxnSp>
+        <p:nvCxnSpPr>
+          <p:cNvPr id="6" name="Connector: Elbow 5">
+            <a:extLst>
+              <a:ext uri="{FF2B5EF4-FFF2-40B4-BE49-F238E27FC236}">
+                <a16:creationId xmlns:a16="http://schemas.microsoft.com/office/drawing/2014/main" id="{8B450C71-7D10-427D-9643-6FEB73BA6A90}"/>
+              </a:ext>
+            </a:extLst>
+          </p:cNvPr>
+          <p:cNvCxnSpPr>
+            <a:stCxn id="4" idx="3"/>
+            <a:endCxn id="3" idx="2"/>
+          </p:cNvCxnSpPr>
+          <p:nvPr/>
+        </p:nvCxnSpPr>
+        <p:spPr>
+          <a:xfrm rot="10800000" flipH="1">
+            <a:off x="1957387" y="4800601"/>
+            <a:ext cx="890587" cy="1303437"/>
+          </a:xfrm>
+          <a:prstGeom prst="bentConnector4">
+            <a:avLst>
+              <a:gd name="adj1" fmla="val 100535"/>
+              <a:gd name="adj2" fmla="val 67116"/>
+            </a:avLst>
+          </a:prstGeom>
+          <a:ln>
+            <a:tailEnd type="triangle"/>
+          </a:ln>
+        </p:spPr>
+        <p:style>
+          <a:lnRef idx="1">
+            <a:schemeClr val="accent1"/>
+          </a:lnRef>
+          <a:fillRef idx="0">
+            <a:schemeClr val="accent1"/>
+          </a:fillRef>
+          <a:effectRef idx="0">
+            <a:schemeClr val="accent1"/>
+          </a:effectRef>
+          <a:fontRef idx="minor">
+            <a:schemeClr val="tx1"/>
+          </a:fontRef>
+        </p:style>
+      </p:cxnSp>
+      <p:sp>
+        <p:nvSpPr>
+          <p:cNvPr id="13" name="Scroll: Vertical 12">
+            <a:extLst>
+              <a:ext uri="{FF2B5EF4-FFF2-40B4-BE49-F238E27FC236}">
+                <a16:creationId xmlns:a16="http://schemas.microsoft.com/office/drawing/2014/main" id="{7E1355C7-5573-426B-A5E0-5B814D5613AF}"/>
+              </a:ext>
+            </a:extLst>
+          </p:cNvPr>
+          <p:cNvSpPr/>
+          <p:nvPr/>
+        </p:nvSpPr>
+        <p:spPr>
+          <a:xfrm>
+            <a:off x="9486900" y="4354412"/>
+            <a:ext cx="876300" cy="892374"/>
+          </a:xfrm>
+          <a:prstGeom prst="verticalScroll">
+            <a:avLst/>
+          </a:prstGeom>
+          <a:solidFill>
+            <a:srgbClr val="FFFF00"/>
+          </a:solidFill>
+        </p:spPr>
+        <p:style>
+          <a:lnRef idx="2">
+            <a:schemeClr val="accent1">
+              <a:shade val="50000"/>
+            </a:schemeClr>
+          </a:lnRef>
+          <a:fillRef idx="1">
+            <a:schemeClr val="accent1"/>
+          </a:fillRef>
+          <a:effectRef idx="0">
+            <a:schemeClr val="accent1"/>
+          </a:effectRef>
+          <a:fontRef idx="minor">
+            <a:schemeClr val="lt1"/>
+          </a:fontRef>
+        </p:style>
+        <p:txBody>
+          <a:bodyPr rtlCol="0" anchor="ctr"/>
+          <a:lstStyle/>
+          <a:p>
+            <a:pPr algn="ctr"/>
+            <a:endParaRPr lang="en-US"/>
+          </a:p>
+        </p:txBody>
+      </p:sp>
+      <p:cxnSp>
+        <p:nvCxnSpPr>
+          <p:cNvPr id="10" name="Straight Arrow Connector 9">
+            <a:extLst>
+              <a:ext uri="{FF2B5EF4-FFF2-40B4-BE49-F238E27FC236}">
+                <a16:creationId xmlns:a16="http://schemas.microsoft.com/office/drawing/2014/main" id="{AA8CA642-112A-40B4-AB87-91C81972CD81}"/>
+              </a:ext>
+            </a:extLst>
+          </p:cNvPr>
+          <p:cNvCxnSpPr>
+            <a:endCxn id="3" idx="3"/>
+          </p:cNvCxnSpPr>
+          <p:nvPr/>
+        </p:nvCxnSpPr>
+        <p:spPr>
+          <a:xfrm flipH="1">
+            <a:off x="4505325" y="3671887"/>
+            <a:ext cx="3894931" cy="1"/>
+          </a:xfrm>
+          <a:prstGeom prst="straightConnector1">
+            <a:avLst/>
+          </a:prstGeom>
+          <a:ln>
+            <a:tailEnd type="triangle"/>
+          </a:ln>
+        </p:spPr>
+        <p:style>
+          <a:lnRef idx="1">
+            <a:schemeClr val="accent1"/>
+          </a:lnRef>
+          <a:fillRef idx="0">
+            <a:schemeClr val="accent1"/>
+          </a:fillRef>
+          <a:effectRef idx="0">
+            <a:schemeClr val="accent1"/>
+          </a:effectRef>
+          <a:fontRef idx="minor">
+            <a:schemeClr val="tx1"/>
+          </a:fontRef>
+        </p:style>
+      </p:cxnSp>
+      <p:sp>
+        <p:nvSpPr>
+          <p:cNvPr id="12" name="TextBox 11">
+            <a:extLst>
+              <a:ext uri="{FF2B5EF4-FFF2-40B4-BE49-F238E27FC236}">
+                <a16:creationId xmlns:a16="http://schemas.microsoft.com/office/drawing/2014/main" id="{A626BCB7-874D-4212-8868-E88C5F64E170}"/>
+              </a:ext>
+            </a:extLst>
+          </p:cNvPr>
+          <p:cNvSpPr txBox="1"/>
+          <p:nvPr/>
+        </p:nvSpPr>
+        <p:spPr>
+          <a:xfrm>
+            <a:off x="2752725" y="5657850"/>
+            <a:ext cx="2266950" cy="369332"/>
+          </a:xfrm>
+          <a:prstGeom prst="rect">
+            <a:avLst/>
+          </a:prstGeom>
+          <a:noFill/>
+        </p:spPr>
+        <p:txBody>
+          <a:bodyPr wrap="square" rtlCol="0">
+            <a:spAutoFit/>
+          </a:bodyPr>
+          <a:lstStyle/>
+          <a:p>
+            <a:r>
+              <a:rPr lang="en-US" b="1" dirty="0"/>
+              <a:t>earlier</a:t>
+            </a:r>
+          </a:p>
+        </p:txBody>
+      </p:sp>
+      <p:sp>
+        <p:nvSpPr>
+          <p:cNvPr id="17" name="TextBox 16">
+            <a:extLst>
+              <a:ext uri="{FF2B5EF4-FFF2-40B4-BE49-F238E27FC236}">
+                <a16:creationId xmlns:a16="http://schemas.microsoft.com/office/drawing/2014/main" id="{94AB82AF-E1DB-47F0-B79A-5AE035E5CFCB}"/>
+              </a:ext>
+            </a:extLst>
+          </p:cNvPr>
+          <p:cNvSpPr txBox="1"/>
+          <p:nvPr/>
+        </p:nvSpPr>
+        <p:spPr>
+          <a:xfrm>
+            <a:off x="5857874" y="3202724"/>
+            <a:ext cx="2266950" cy="369332"/>
+          </a:xfrm>
+          <a:prstGeom prst="rect">
+            <a:avLst/>
+          </a:prstGeom>
+          <a:noFill/>
+        </p:spPr>
+        <p:txBody>
+          <a:bodyPr wrap="square" rtlCol="0">
+            <a:spAutoFit/>
+          </a:bodyPr>
+          <a:lstStyle/>
+          <a:p>
+            <a:r>
+              <a:rPr lang="en-US" b="1" dirty="0"/>
+              <a:t>Current approach</a:t>
+            </a:r>
+          </a:p>
+        </p:txBody>
+      </p:sp>
     </p:spTree>
     <p:extLst>
       <p:ext uri="{BB962C8B-B14F-4D97-AF65-F5344CB8AC3E}">
@@ -9803,7 +11523,7 @@
 </p:sld>
 </file>
 
-<file path=ppt/slides/slide4.xml><?xml version="1.0" encoding="utf-8"?>
+<file path=ppt/slides/slide6.xml><?xml version="1.0" encoding="utf-8"?>
 <p:sld xmlns:a="http://schemas.openxmlformats.org/drawingml/2006/main" xmlns:r="http://schemas.openxmlformats.org/officeDocument/2006/relationships" xmlns:p="http://schemas.openxmlformats.org/presentationml/2006/main">
   <p:cSld>
     <p:spTree>
@@ -10058,7 +11778,7 @@
 </p:sld>
 </file>
 
-<file path=ppt/slides/slide5.xml><?xml version="1.0" encoding="utf-8"?>
+<file path=ppt/slides/slide7.xml><?xml version="1.0" encoding="utf-8"?>
 <p:sld xmlns:a="http://schemas.openxmlformats.org/drawingml/2006/main" xmlns:r="http://schemas.openxmlformats.org/officeDocument/2006/relationships" xmlns:p="http://schemas.openxmlformats.org/presentationml/2006/main">
   <p:cSld>
     <p:spTree>
@@ -10310,7 +12030,7 @@
 </p:sld>
 </file>
 
-<file path=ppt/slides/slide6.xml><?xml version="1.0" encoding="utf-8"?>
+<file path=ppt/slides/slide8.xml><?xml version="1.0" encoding="utf-8"?>
 <p:sld xmlns:a="http://schemas.openxmlformats.org/drawingml/2006/main" xmlns:r="http://schemas.openxmlformats.org/officeDocument/2006/relationships" xmlns:p="http://schemas.openxmlformats.org/presentationml/2006/main">
   <p:cSld>
     <p:spTree>
@@ -10681,7 +12401,7 @@
 </p:sld>
 </file>
 
-<file path=ppt/slides/slide7.xml><?xml version="1.0" encoding="utf-8"?>
+<file path=ppt/slides/slide9.xml><?xml version="1.0" encoding="utf-8"?>
 <p:sld xmlns:a="http://schemas.openxmlformats.org/drawingml/2006/main" xmlns:r="http://schemas.openxmlformats.org/officeDocument/2006/relationships" xmlns:p="http://schemas.openxmlformats.org/presentationml/2006/main">
   <p:cSld>
     <p:spTree>
@@ -10792,314 +12512,6 @@
   <p:clrMapOvr>
     <a:masterClrMapping/>
   </p:clrMapOvr>
-</p:sld>
-</file>
-
-<file path=ppt/slides/slide8.xml><?xml version="1.0" encoding="utf-8"?>
-<p:sld xmlns:a="http://schemas.openxmlformats.org/drawingml/2006/main" xmlns:r="http://schemas.openxmlformats.org/officeDocument/2006/relationships" xmlns:p="http://schemas.openxmlformats.org/presentationml/2006/main">
-  <p:cSld>
-    <p:spTree>
-      <p:nvGrpSpPr>
-        <p:cNvPr id="1" name=""/>
-        <p:cNvGrpSpPr/>
-        <p:nvPr/>
-      </p:nvGrpSpPr>
-      <p:grpSpPr>
-        <a:xfrm>
-          <a:off x="0" y="0"/>
-          <a:ext cx="0" cy="0"/>
-          <a:chOff x="0" y="0"/>
-          <a:chExt cx="0" cy="0"/>
-        </a:xfrm>
-      </p:grpSpPr>
-      <p:pic>
-        <p:nvPicPr>
-          <p:cNvPr id="1028" name="Picture 4" descr="Free Vector | Flat people with question marks background">
-            <a:extLst>
-              <a:ext uri="{FF2B5EF4-FFF2-40B4-BE49-F238E27FC236}">
-                <a16:creationId xmlns:a16="http://schemas.microsoft.com/office/drawing/2014/main" id="{E158EC70-4769-4E41-A278-C90EC4E480C7}"/>
-              </a:ext>
-            </a:extLst>
-          </p:cNvPr>
-          <p:cNvPicPr>
-            <a:picLocks noChangeAspect="1" noChangeArrowheads="1"/>
-          </p:cNvPicPr>
-          <p:nvPr/>
-        </p:nvPicPr>
-        <p:blipFill rotWithShape="1">
-          <a:blip r:embed="rId2">
-            <a:extLst>
-              <a:ext uri="{28A0092B-C50C-407E-A947-70E740481C1C}">
-                <a14:useLocalDpi xmlns:a14="http://schemas.microsoft.com/office/drawing/2010/main" val="0"/>
-              </a:ext>
-            </a:extLst>
-          </a:blip>
-          <a:srcRect t="1" b="22246"/>
-          <a:stretch/>
-        </p:blipFill>
-        <p:spPr bwMode="auto">
-          <a:xfrm>
-            <a:off x="1848418" y="639706"/>
-            <a:ext cx="7599507" cy="5908876"/>
-          </a:xfrm>
-          <a:prstGeom prst="rect">
-            <a:avLst/>
-          </a:prstGeom>
-          <a:noFill/>
-          <a:extLst>
-            <a:ext uri="{909E8E84-426E-40DD-AFC4-6F175D3DCCD1}">
-              <a14:hiddenFill xmlns:a14="http://schemas.microsoft.com/office/drawing/2010/main">
-                <a:solidFill>
-                  <a:srgbClr val="FFFFFF"/>
-                </a:solidFill>
-              </a14:hiddenFill>
-            </a:ext>
-          </a:extLst>
-        </p:spPr>
-      </p:pic>
-      <p:sp>
-        <p:nvSpPr>
-          <p:cNvPr id="2" name="TextBox 1">
-            <a:extLst>
-              <a:ext uri="{FF2B5EF4-FFF2-40B4-BE49-F238E27FC236}">
-                <a16:creationId xmlns:a16="http://schemas.microsoft.com/office/drawing/2014/main" id="{994C3DB2-D47E-4B94-804B-87AF1FDEF86E}"/>
-              </a:ext>
-            </a:extLst>
-          </p:cNvPr>
-          <p:cNvSpPr txBox="1"/>
-          <p:nvPr/>
-        </p:nvSpPr>
-        <p:spPr>
-          <a:xfrm>
-            <a:off x="4535055" y="1052946"/>
-            <a:ext cx="5588000" cy="769441"/>
-          </a:xfrm>
-          <a:prstGeom prst="rect">
-            <a:avLst/>
-          </a:prstGeom>
-          <a:noFill/>
-        </p:spPr>
-        <p:txBody>
-          <a:bodyPr wrap="square" rtlCol="0">
-            <a:spAutoFit/>
-          </a:bodyPr>
-          <a:lstStyle/>
-          <a:p>
-            <a:r>
-              <a:rPr lang="en-US" sz="4400" b="1" dirty="0"/>
-              <a:t>Questions</a:t>
-            </a:r>
-          </a:p>
-        </p:txBody>
-      </p:sp>
-    </p:spTree>
-    <p:extLst>
-      <p:ext uri="{BB962C8B-B14F-4D97-AF65-F5344CB8AC3E}">
-        <p14:creationId xmlns:p14="http://schemas.microsoft.com/office/powerpoint/2010/main" val="1308118299"/>
-      </p:ext>
-    </p:extLst>
-  </p:cSld>
-  <p:clrMapOvr>
-    <a:masterClrMapping/>
-  </p:clrMapOvr>
-</p:sld>
-</file>
-
-<file path=ppt/slides/slide9.xml><?xml version="1.0" encoding="utf-8"?>
-<p:sld xmlns:a="http://schemas.openxmlformats.org/drawingml/2006/main" xmlns:r="http://schemas.openxmlformats.org/officeDocument/2006/relationships" xmlns:p="http://schemas.openxmlformats.org/presentationml/2006/main">
-  <p:cSld>
-    <p:bg>
-      <p:bgPr>
-        <a:solidFill>
-          <a:schemeClr val="bg1">
-            <a:lumMod val="95000"/>
-          </a:schemeClr>
-        </a:solidFill>
-        <a:effectLst/>
-      </p:bgPr>
-    </p:bg>
-    <p:spTree>
-      <p:nvGrpSpPr>
-        <p:cNvPr id="1" name=""/>
-        <p:cNvGrpSpPr/>
-        <p:nvPr/>
-      </p:nvGrpSpPr>
-      <p:grpSpPr>
-        <a:xfrm>
-          <a:off x="0" y="0"/>
-          <a:ext cx="0" cy="0"/>
-          <a:chOff x="0" y="0"/>
-          <a:chExt cx="0" cy="0"/>
-        </a:xfrm>
-      </p:grpSpPr>
-      <p:pic>
-        <p:nvPicPr>
-          <p:cNvPr id="2052" name="Picture 4" descr="Ski Jumping Arena - Free Presentation Templates">
-            <a:extLst>
-              <a:ext uri="{FF2B5EF4-FFF2-40B4-BE49-F238E27FC236}">
-                <a16:creationId xmlns:a16="http://schemas.microsoft.com/office/drawing/2014/main" id="{B0D7E6A1-F72A-4F69-B4FB-A4ED7A0C6CED}"/>
-              </a:ext>
-            </a:extLst>
-          </p:cNvPr>
-          <p:cNvPicPr>
-            <a:picLocks noChangeAspect="1" noChangeArrowheads="1"/>
-          </p:cNvPicPr>
-          <p:nvPr/>
-        </p:nvPicPr>
-        <p:blipFill rotWithShape="1">
-          <a:blip r:embed="rId3">
-            <a:extLst>
-              <a:ext uri="{28A0092B-C50C-407E-A947-70E740481C1C}">
-                <a14:useLocalDpi xmlns:a14="http://schemas.microsoft.com/office/drawing/2010/main" val="0"/>
-              </a:ext>
-            </a:extLst>
-          </a:blip>
-          <a:srcRect r="2246" b="2246"/>
-          <a:stretch/>
-        </p:blipFill>
-        <p:spPr bwMode="auto">
-          <a:xfrm>
-            <a:off x="0" y="0"/>
-            <a:ext cx="12192000" cy="6858000"/>
-          </a:xfrm>
-          <a:prstGeom prst="rect">
-            <a:avLst/>
-          </a:prstGeom>
-          <a:noFill/>
-          <a:extLst>
-            <a:ext uri="{909E8E84-426E-40DD-AFC4-6F175D3DCCD1}">
-              <a14:hiddenFill xmlns:a14="http://schemas.microsoft.com/office/drawing/2010/main">
-                <a:solidFill>
-                  <a:srgbClr val="FFFFFF"/>
-                </a:solidFill>
-              </a14:hiddenFill>
-            </a:ext>
-          </a:extLst>
-        </p:spPr>
-      </p:pic>
-      <p:sp>
-        <p:nvSpPr>
-          <p:cNvPr id="5" name="TextBox 4"/>
-          <p:cNvSpPr txBox="1"/>
-          <p:nvPr/>
-        </p:nvSpPr>
-        <p:spPr>
-          <a:xfrm>
-            <a:off x="1910833" y="3429000"/>
-            <a:ext cx="6629399" cy="1200329"/>
-          </a:xfrm>
-          <a:prstGeom prst="rect">
-            <a:avLst/>
-          </a:prstGeom>
-          <a:noFill/>
-        </p:spPr>
-        <p:txBody>
-          <a:bodyPr wrap="square" rtlCol="0">
-            <a:spAutoFit/>
-          </a:bodyPr>
-          <a:lstStyle/>
-          <a:p>
-            <a:pPr marL="0" marR="0" lvl="0" indent="0" algn="l" defTabSz="914400" rtl="0" eaLnBrk="1" fontAlgn="auto" latinLnBrk="0" hangingPunct="1">
-              <a:lnSpc>
-                <a:spcPct val="100000"/>
-              </a:lnSpc>
-              <a:spcBef>
-                <a:spcPts val="0"/>
-              </a:spcBef>
-              <a:spcAft>
-                <a:spcPts val="0"/>
-              </a:spcAft>
-              <a:buClrTx/>
-              <a:buSzTx/>
-              <a:buFontTx/>
-              <a:buNone/>
-              <a:tabLst/>
-              <a:defRPr/>
-            </a:pPr>
-            <a:r>
-              <a:rPr kumimoji="0" lang="en-US" sz="3600" b="0" i="0" u="none" strike="noStrike" kern="1200" cap="none" spc="-150" normalizeH="0" baseline="0" noProof="0" dirty="0">
-                <a:ln>
-                  <a:noFill/>
-                </a:ln>
-                <a:solidFill>
-                  <a:prstClr val="white"/>
-                </a:solidFill>
-                <a:effectLst/>
-                <a:uLnTx/>
-                <a:uFillTx/>
-                <a:latin typeface="Calibri" panose="020F0502020204030204"/>
-                <a:ea typeface="+mn-ea"/>
-                <a:cs typeface="+mn-cs"/>
-              </a:rPr>
-              <a:t>Anurag Bajaj</a:t>
-            </a:r>
-          </a:p>
-          <a:p>
-            <a:pPr marL="0" marR="0" lvl="0" indent="0" algn="l" defTabSz="914400" rtl="0" eaLnBrk="1" fontAlgn="auto" latinLnBrk="0" hangingPunct="1">
-              <a:lnSpc>
-                <a:spcPct val="100000"/>
-              </a:lnSpc>
-              <a:spcBef>
-                <a:spcPts val="0"/>
-              </a:spcBef>
-              <a:spcAft>
-                <a:spcPts val="0"/>
-              </a:spcAft>
-              <a:buClrTx/>
-              <a:buSzTx/>
-              <a:buFontTx/>
-              <a:buNone/>
-              <a:tabLst/>
-              <a:defRPr/>
-            </a:pPr>
-            <a:r>
-              <a:rPr lang="en-US" sz="3600" spc="-150" dirty="0">
-                <a:solidFill>
-                  <a:prstClr val="white"/>
-                </a:solidFill>
-                <a:latin typeface="Calibri" panose="020F0502020204030204"/>
-              </a:rPr>
-              <a:t>anurag.bajaj02@gmail.com</a:t>
-            </a:r>
-            <a:endParaRPr kumimoji="0" lang="en-US" sz="3600" b="0" i="0" u="none" strike="noStrike" kern="1200" cap="none" spc="-150" normalizeH="0" baseline="0" noProof="0" dirty="0">
-              <a:ln>
-                <a:noFill/>
-              </a:ln>
-              <a:solidFill>
-                <a:prstClr val="white"/>
-              </a:solidFill>
-              <a:effectLst/>
-              <a:uLnTx/>
-              <a:uFillTx/>
-              <a:latin typeface="Calibri" panose="020F0502020204030204"/>
-              <a:ea typeface="+mn-ea"/>
-              <a:cs typeface="+mn-cs"/>
-            </a:endParaRPr>
-          </a:p>
-        </p:txBody>
-      </p:sp>
-    </p:spTree>
-    <p:extLst>
-      <p:ext uri="{BB962C8B-B14F-4D97-AF65-F5344CB8AC3E}">
-        <p14:creationId xmlns:p14="http://schemas.microsoft.com/office/powerpoint/2010/main" val="132008300"/>
-      </p:ext>
-    </p:extLst>
-  </p:cSld>
-  <p:clrMapOvr>
-    <a:masterClrMapping/>
-  </p:clrMapOvr>
-  <mc:AlternateContent xmlns:mc="http://schemas.openxmlformats.org/markup-compatibility/2006" xmlns:p14="http://schemas.microsoft.com/office/powerpoint/2010/main">
-    <mc:Choice Requires="p14">
-      <p:transition spd="med" p14:dur="700">
-        <p:fade/>
-      </p:transition>
-    </mc:Choice>
-    <mc:Fallback xmlns="">
-      <p:transition spd="med">
-        <p:fade/>
-      </p:transition>
-    </mc:Fallback>
-  </mc:AlternateContent>
 </p:sld>
 </file>
 
